--- a/Rockbuster_Presentation.pptx
+++ b/Rockbuster_Presentation.pptx
@@ -209,7 +209,7 @@
           <a:p>
             <a:fld id="{CA66A4DB-1B1D-47D8-8151-C22545210BEE}" type="datetimeFigureOut">
               <a:rPr lang="en-US" smtClean="0"/>
-              <a:t>9/15/2023</a:t>
+              <a:t>11/27/2023</a:t>
             </a:fld>
             <a:endParaRPr lang="en-US"/>
           </a:p>
@@ -623,7 +623,7 @@
           <a:p>
             <a:fld id="{1054FBEE-CF72-4233-A253-2A06A24FD0DA}" type="datetimeFigureOut">
               <a:rPr lang="en-US" smtClean="0"/>
-              <a:t>9/15/2023</a:t>
+              <a:t>11/27/2023</a:t>
             </a:fld>
             <a:endParaRPr lang="en-US"/>
           </a:p>
@@ -821,7 +821,7 @@
           <a:p>
             <a:fld id="{1054FBEE-CF72-4233-A253-2A06A24FD0DA}" type="datetimeFigureOut">
               <a:rPr lang="en-US" smtClean="0"/>
-              <a:t>9/15/2023</a:t>
+              <a:t>11/27/2023</a:t>
             </a:fld>
             <a:endParaRPr lang="en-US"/>
           </a:p>
@@ -1029,7 +1029,7 @@
           <a:p>
             <a:fld id="{1054FBEE-CF72-4233-A253-2A06A24FD0DA}" type="datetimeFigureOut">
               <a:rPr lang="en-US" smtClean="0"/>
-              <a:t>9/15/2023</a:t>
+              <a:t>11/27/2023</a:t>
             </a:fld>
             <a:endParaRPr lang="en-US"/>
           </a:p>
@@ -1227,7 +1227,7 @@
           <a:p>
             <a:fld id="{1054FBEE-CF72-4233-A253-2A06A24FD0DA}" type="datetimeFigureOut">
               <a:rPr lang="en-US" smtClean="0"/>
-              <a:t>9/15/2023</a:t>
+              <a:t>11/27/2023</a:t>
             </a:fld>
             <a:endParaRPr lang="en-US"/>
           </a:p>
@@ -1502,7 +1502,7 @@
           <a:p>
             <a:fld id="{1054FBEE-CF72-4233-A253-2A06A24FD0DA}" type="datetimeFigureOut">
               <a:rPr lang="en-US" smtClean="0"/>
-              <a:t>9/15/2023</a:t>
+              <a:t>11/27/2023</a:t>
             </a:fld>
             <a:endParaRPr lang="en-US"/>
           </a:p>
@@ -1767,7 +1767,7 @@
           <a:p>
             <a:fld id="{1054FBEE-CF72-4233-A253-2A06A24FD0DA}" type="datetimeFigureOut">
               <a:rPr lang="en-US" smtClean="0"/>
-              <a:t>9/15/2023</a:t>
+              <a:t>11/27/2023</a:t>
             </a:fld>
             <a:endParaRPr lang="en-US"/>
           </a:p>
@@ -2179,7 +2179,7 @@
           <a:p>
             <a:fld id="{1054FBEE-CF72-4233-A253-2A06A24FD0DA}" type="datetimeFigureOut">
               <a:rPr lang="en-US" smtClean="0"/>
-              <a:t>9/15/2023</a:t>
+              <a:t>11/27/2023</a:t>
             </a:fld>
             <a:endParaRPr lang="en-US"/>
           </a:p>
@@ -2320,7 +2320,7 @@
           <a:p>
             <a:fld id="{1054FBEE-CF72-4233-A253-2A06A24FD0DA}" type="datetimeFigureOut">
               <a:rPr lang="en-US" smtClean="0"/>
-              <a:t>9/15/2023</a:t>
+              <a:t>11/27/2023</a:t>
             </a:fld>
             <a:endParaRPr lang="en-US"/>
           </a:p>
@@ -2433,7 +2433,7 @@
           <a:p>
             <a:fld id="{1054FBEE-CF72-4233-A253-2A06A24FD0DA}" type="datetimeFigureOut">
               <a:rPr lang="en-US" smtClean="0"/>
-              <a:t>9/15/2023</a:t>
+              <a:t>11/27/2023</a:t>
             </a:fld>
             <a:endParaRPr lang="en-US"/>
           </a:p>
@@ -2744,7 +2744,7 @@
           <a:p>
             <a:fld id="{1054FBEE-CF72-4233-A253-2A06A24FD0DA}" type="datetimeFigureOut">
               <a:rPr lang="en-US" smtClean="0"/>
-              <a:t>9/15/2023</a:t>
+              <a:t>11/27/2023</a:t>
             </a:fld>
             <a:endParaRPr lang="en-US"/>
           </a:p>
@@ -3032,7 +3032,7 @@
           <a:p>
             <a:fld id="{1054FBEE-CF72-4233-A253-2A06A24FD0DA}" type="datetimeFigureOut">
               <a:rPr lang="en-US" smtClean="0"/>
-              <a:t>9/15/2023</a:t>
+              <a:t>11/27/2023</a:t>
             </a:fld>
             <a:endParaRPr lang="en-US"/>
           </a:p>
@@ -3273,7 +3273,7 @@
           <a:p>
             <a:fld id="{1054FBEE-CF72-4233-A253-2A06A24FD0DA}" type="datetimeFigureOut">
               <a:rPr lang="en-US" smtClean="0"/>
-              <a:t>9/15/2023</a:t>
+              <a:t>11/27/2023</a:t>
             </a:fld>
             <a:endParaRPr lang="en-US"/>
           </a:p>
